--- a/landing-zone-wds-enterprise/Landing Zones WDS (Enterprise) - Trainer Presentation.pptx
+++ b/landing-zone-wds-enterprise/Landing Zones WDS (Enterprise) - Trainer Presentation.pptx
@@ -6,7 +6,7 @@
     <p:sldMasterId id="2147483665" r:id="rId5"/>
   </p:sldMasterIdLst>
   <p:notesMasterIdLst>
-    <p:notesMasterId r:id="rId36"/>
+    <p:notesMasterId r:id="rId37"/>
   </p:notesMasterIdLst>
   <p:sldIdLst>
     <p:sldId id="300" r:id="rId6"/>
@@ -24,21 +24,22 @@
     <p:sldId id="322" r:id="rId18"/>
     <p:sldId id="321" r:id="rId19"/>
     <p:sldId id="317" r:id="rId20"/>
-    <p:sldId id="316" r:id="rId21"/>
-    <p:sldId id="325" r:id="rId22"/>
-    <p:sldId id="319" r:id="rId23"/>
-    <p:sldId id="318" r:id="rId24"/>
-    <p:sldId id="315" r:id="rId25"/>
-    <p:sldId id="327" r:id="rId26"/>
-    <p:sldId id="306" r:id="rId27"/>
-    <p:sldId id="307" r:id="rId28"/>
-    <p:sldId id="308" r:id="rId29"/>
-    <p:sldId id="309" r:id="rId30"/>
-    <p:sldId id="310" r:id="rId31"/>
-    <p:sldId id="311" r:id="rId32"/>
-    <p:sldId id="312" r:id="rId33"/>
-    <p:sldId id="313" r:id="rId34"/>
-    <p:sldId id="314" r:id="rId35"/>
+    <p:sldId id="362" r:id="rId21"/>
+    <p:sldId id="316" r:id="rId22"/>
+    <p:sldId id="325" r:id="rId23"/>
+    <p:sldId id="319" r:id="rId24"/>
+    <p:sldId id="318" r:id="rId25"/>
+    <p:sldId id="315" r:id="rId26"/>
+    <p:sldId id="327" r:id="rId27"/>
+    <p:sldId id="306" r:id="rId28"/>
+    <p:sldId id="307" r:id="rId29"/>
+    <p:sldId id="308" r:id="rId30"/>
+    <p:sldId id="309" r:id="rId31"/>
+    <p:sldId id="310" r:id="rId32"/>
+    <p:sldId id="311" r:id="rId33"/>
+    <p:sldId id="312" r:id="rId34"/>
+    <p:sldId id="313" r:id="rId35"/>
+    <p:sldId id="314" r:id="rId36"/>
   </p:sldIdLst>
   <p:sldSz cx="12192000" cy="6858000"/>
   <p:notesSz cx="6858000" cy="9144000"/>
@@ -236,7 +237,7 @@
           <a:p>
             <a:fld id="{52A13B17-C506-4D51-BB37-16B365906619}" type="datetimeFigureOut">
               <a:rPr lang="en-US" smtClean="0"/>
-              <a:t>11/4/2020</a:t>
+              <a:t>11/8/2020</a:t>
             </a:fld>
             <a:endParaRPr lang="en-US"/>
           </a:p>
@@ -2866,7 +2867,7 @@
           <a:p>
             <a:fld id="{0998D5BB-B127-481F-BC0A-2F77C576BB34}" type="slidenum">
               <a:rPr lang="en-US" smtClean="0"/>
-              <a:t>16</a:t>
+              <a:t>17</a:t>
             </a:fld>
             <a:endParaRPr lang="en-US"/>
           </a:p>
@@ -3631,7 +3632,7 @@
           <a:p>
             <a:fld id="{0998D5BB-B127-481F-BC0A-2F77C576BB34}" type="slidenum">
               <a:rPr lang="en-US" smtClean="0"/>
-              <a:t>17</a:t>
+              <a:t>18</a:t>
             </a:fld>
             <a:endParaRPr lang="en-US"/>
           </a:p>
@@ -4172,7 +4173,7 @@
           <a:p>
             <a:fld id="{0998D5BB-B127-481F-BC0A-2F77C576BB34}" type="slidenum">
               <a:rPr lang="en-US" smtClean="0"/>
-              <a:t>18</a:t>
+              <a:t>19</a:t>
             </a:fld>
             <a:endParaRPr lang="en-US"/>
           </a:p>
@@ -4256,7 +4257,7 @@
           <a:p>
             <a:fld id="{0998D5BB-B127-481F-BC0A-2F77C576BB34}" type="slidenum">
               <a:rPr lang="en-US" smtClean="0"/>
-              <a:t>19</a:t>
+              <a:t>20</a:t>
             </a:fld>
             <a:endParaRPr lang="en-US"/>
           </a:p>
@@ -4382,7 +4383,7 @@
                   <a:prstClr val="black"/>
                 </a:solidFill>
               </a:rPr>
-              <a:t>11/4/2020 3:29 PM</a:t>
+              <a:t>11/8/2020 10:11 AM</a:t>
             </a:fld>
             <a:endParaRPr lang="en-US" dirty="0">
               <a:solidFill>
@@ -4414,7 +4415,7 @@
                 </a:solidFill>
               </a:rPr>
               <a:pPr/>
-              <a:t>20</a:t>
+              <a:t>21</a:t>
             </a:fld>
             <a:endParaRPr lang="en-US" dirty="0">
               <a:solidFill>
@@ -4742,7 +4743,7 @@
                   <a:prstClr val="black"/>
                 </a:solidFill>
               </a:rPr>
-              <a:t>11/5/2020 8:08 AM</a:t>
+              <a:t>11/8/2020 10:11 AM</a:t>
             </a:fld>
             <a:endParaRPr lang="en-US" dirty="0">
               <a:solidFill>
@@ -4774,7 +4775,7 @@
                 </a:solidFill>
               </a:rPr>
               <a:pPr/>
-              <a:t>21</a:t>
+              <a:t>22</a:t>
             </a:fld>
             <a:endParaRPr lang="en-US" dirty="0">
               <a:solidFill>
@@ -4989,7 +4990,7 @@
           <a:p>
             <a:fld id="{328EAAE8-B538-48EB-83B5-2B364220CC89}" type="datetime8">
               <a:rPr lang="en-US" smtClean="0"/>
-              <a:t>11/4/2020 3:29 PM</a:t>
+              <a:t>11/8/2020 10:11 AM</a:t>
             </a:fld>
             <a:endParaRPr lang="en-US" dirty="0"/>
           </a:p>
@@ -5013,7 +5014,7 @@
             <a:fld id="{B4008EB6-D09E-4580-8CD6-DDB14511944F}" type="slidenum">
               <a:rPr lang="en-US" smtClean="0"/>
               <a:pPr/>
-              <a:t>22</a:t>
+              <a:t>23</a:t>
             </a:fld>
             <a:endParaRPr lang="en-US" dirty="0"/>
           </a:p>
@@ -5098,7 +5099,7 @@
             <a:fld id="{B4008EB6-D09E-4580-8CD6-DDB14511944F}" type="slidenum">
               <a:rPr lang="en-US" smtClean="0"/>
               <a:pPr/>
-              <a:t>23</a:t>
+              <a:t>24</a:t>
             </a:fld>
             <a:endParaRPr lang="en-US" dirty="0"/>
           </a:p>
@@ -5121,7 +5122,7 @@
           <a:p>
             <a:fld id="{5A70A388-5CB4-42F2-85B9-1AE1F63398FA}" type="datetime8">
               <a:rPr lang="en-US" smtClean="0"/>
-              <a:t>11/4/2020 3:29 PM</a:t>
+              <a:t>11/8/2020 10:11 AM</a:t>
             </a:fld>
             <a:endParaRPr lang="en-US" dirty="0"/>
           </a:p>
@@ -5304,7 +5305,7 @@
           <a:p>
             <a:fld id="{6939CF7E-134C-4B4A-9853-17D7568CBCC2}" type="datetime8">
               <a:rPr lang="en-US" smtClean="0"/>
-              <a:t>11/4/2020 3:29 PM</a:t>
+              <a:t>11/8/2020 10:11 AM</a:t>
             </a:fld>
             <a:endParaRPr lang="en-US" dirty="0"/>
           </a:p>
@@ -5336,7 +5337,7 @@
             <a:fld id="{8B263312-38AA-4E1E-B2B5-0F8F122B24FE}" type="slidenum">
               <a:rPr lang="en-US" smtClean="0"/>
               <a:pPr/>
-              <a:t>24</a:t>
+              <a:t>25</a:t>
             </a:fld>
             <a:endParaRPr lang="en-US" dirty="0"/>
           </a:p>
@@ -5566,7 +5567,7 @@
           <a:p>
             <a:fld id="{B76134C8-AC9E-49DD-B3D6-722B1A93F18D}" type="datetime8">
               <a:rPr lang="en-US" smtClean="0"/>
-              <a:t>11/4/2020 3:29 PM</a:t>
+              <a:t>11/8/2020 10:11 AM</a:t>
             </a:fld>
             <a:endParaRPr lang="en-US" dirty="0"/>
           </a:p>
@@ -5590,7 +5591,7 @@
             <a:fld id="{B4008EB6-D09E-4580-8CD6-DDB14511944F}" type="slidenum">
               <a:rPr lang="en-US" smtClean="0"/>
               <a:pPr/>
-              <a:t>25</a:t>
+              <a:t>26</a:t>
             </a:fld>
             <a:endParaRPr lang="en-US" dirty="0"/>
           </a:p>
@@ -5747,7 +5748,7 @@
           <a:p>
             <a:fld id="{34FAA446-E61B-4D43-A3B1-7749AA6DC131}" type="datetime8">
               <a:rPr lang="en-US" smtClean="0"/>
-              <a:t>11/4/2020 3:29 PM</a:t>
+              <a:t>11/8/2020 10:11 AM</a:t>
             </a:fld>
             <a:endParaRPr lang="en-US" dirty="0"/>
           </a:p>
@@ -5771,7 +5772,7 @@
             <a:fld id="{B4008EB6-D09E-4580-8CD6-DDB14511944F}" type="slidenum">
               <a:rPr lang="en-US" smtClean="0"/>
               <a:pPr/>
-              <a:t>26</a:t>
+              <a:t>27</a:t>
             </a:fld>
             <a:endParaRPr lang="en-US" dirty="0"/>
           </a:p>
@@ -5928,7 +5929,7 @@
           <a:p>
             <a:fld id="{F86059B6-667D-4F24-AA48-46C1EA5D9E8E}" type="datetime8">
               <a:rPr lang="en-US" smtClean="0"/>
-              <a:t>11/4/2020 3:29 PM</a:t>
+              <a:t>11/8/2020 10:11 AM</a:t>
             </a:fld>
             <a:endParaRPr lang="en-US" dirty="0"/>
           </a:p>
@@ -5952,7 +5953,7 @@
             <a:fld id="{B4008EB6-D09E-4580-8CD6-DDB14511944F}" type="slidenum">
               <a:rPr lang="en-US" smtClean="0"/>
               <a:pPr/>
-              <a:t>27</a:t>
+              <a:t>28</a:t>
             </a:fld>
             <a:endParaRPr lang="en-US" dirty="0"/>
           </a:p>
@@ -6109,7 +6110,7 @@
           <a:p>
             <a:fld id="{35A2D088-BDBD-41A5-ADCE-5C6A4DC08057}" type="datetime8">
               <a:rPr lang="en-US" smtClean="0"/>
-              <a:t>11/4/2020 3:29 PM</a:t>
+              <a:t>11/8/2020 10:11 AM</a:t>
             </a:fld>
             <a:endParaRPr lang="en-US" dirty="0"/>
           </a:p>
@@ -6133,7 +6134,7 @@
             <a:fld id="{B4008EB6-D09E-4580-8CD6-DDB14511944F}" type="slidenum">
               <a:rPr lang="en-US" smtClean="0"/>
               <a:pPr/>
-              <a:t>28</a:t>
+              <a:t>29</a:t>
             </a:fld>
             <a:endParaRPr lang="en-US" dirty="0"/>
           </a:p>
@@ -6218,7 +6219,7 @@
             <a:fld id="{B4008EB6-D09E-4580-8CD6-DDB14511944F}" type="slidenum">
               <a:rPr lang="en-US" smtClean="0"/>
               <a:pPr/>
-              <a:t>29</a:t>
+              <a:t>30</a:t>
             </a:fld>
             <a:endParaRPr lang="en-US" dirty="0"/>
           </a:p>
@@ -6241,7 +6242,7 @@
           <a:p>
             <a:fld id="{174E4CE6-2FE4-433F-87B8-CB5DD266EBFC}" type="datetime8">
               <a:rPr lang="en-US" smtClean="0"/>
-              <a:t>11/4/2020 3:29 PM</a:t>
+              <a:t>11/8/2020 10:11 AM</a:t>
             </a:fld>
             <a:endParaRPr lang="en-US" dirty="0"/>
           </a:p>
@@ -6440,7 +6441,7 @@
                   <a:prstClr val="black"/>
                 </a:solidFill>
               </a:rPr>
-              <a:t>11/4/2020 3:29 PM</a:t>
+              <a:t>11/8/2020 10:11 AM</a:t>
             </a:fld>
             <a:endParaRPr lang="en-US" dirty="0">
               <a:solidFill>
@@ -6472,7 +6473,7 @@
                 </a:solidFill>
               </a:rPr>
               <a:pPr/>
-              <a:t>30</a:t>
+              <a:t>31</a:t>
             </a:fld>
             <a:endParaRPr lang="en-US" dirty="0">
               <a:solidFill>
@@ -23607,6 +23608,108 @@
       </p:grpSpPr>
       <p:sp>
         <p:nvSpPr>
+          <p:cNvPr id="3" name="Title 2">
+            <a:extLst>
+              <a:ext uri="{FF2B5EF4-FFF2-40B4-BE49-F238E27FC236}">
+                <a16:creationId xmlns:a16="http://schemas.microsoft.com/office/drawing/2014/main" id="{490CE74C-27B5-43D2-A979-BE04B4E78150}"/>
+              </a:ext>
+            </a:extLst>
+          </p:cNvPr>
+          <p:cNvSpPr>
+            <a:spLocks noGrp="1"/>
+          </p:cNvSpPr>
+          <p:nvPr>
+            <p:ph type="title"/>
+          </p:nvPr>
+        </p:nvSpPr>
+        <p:spPr>
+          <a:xfrm>
+            <a:off x="269240" y="289511"/>
+            <a:ext cx="2681577" cy="899665"/>
+          </a:xfrm>
+        </p:spPr>
+        <p:txBody>
+          <a:bodyPr/>
+          <a:lstStyle/>
+          <a:p>
+            <a:r>
+              <a:rPr lang="en-US" dirty="0"/>
+              <a:t>Preferred Solution</a:t>
+            </a:r>
+          </a:p>
+        </p:txBody>
+      </p:sp>
+      <p:pic>
+        <p:nvPicPr>
+          <p:cNvPr id="7" name="Picture 6" descr="Diagram&#10;&#10;Description automatically generated">
+            <a:extLst>
+              <a:ext uri="{FF2B5EF4-FFF2-40B4-BE49-F238E27FC236}">
+                <a16:creationId xmlns:a16="http://schemas.microsoft.com/office/drawing/2014/main" id="{1F1CD784-D6D2-4BCD-9682-80E5A68F4740}"/>
+              </a:ext>
+            </a:extLst>
+          </p:cNvPr>
+          <p:cNvPicPr>
+            <a:picLocks noChangeAspect="1"/>
+          </p:cNvPicPr>
+          <p:nvPr/>
+        </p:nvPicPr>
+        <p:blipFill>
+          <a:blip r:embed="rId2">
+            <a:extLst>
+              <a:ext uri="{28A0092B-C50C-407E-A947-70E740481C1C}">
+                <a14:useLocalDpi xmlns:a14="http://schemas.microsoft.com/office/drawing/2010/main" val="0"/>
+              </a:ext>
+            </a:extLst>
+          </a:blip>
+          <a:stretch>
+            <a:fillRect/>
+          </a:stretch>
+        </p:blipFill>
+        <p:spPr>
+          <a:xfrm>
+            <a:off x="3128755" y="0"/>
+            <a:ext cx="9063245" cy="6858000"/>
+          </a:xfrm>
+          <a:prstGeom prst="rect">
+            <a:avLst/>
+          </a:prstGeom>
+        </p:spPr>
+      </p:pic>
+    </p:spTree>
+    <p:extLst>
+      <p:ext uri="{BB962C8B-B14F-4D97-AF65-F5344CB8AC3E}">
+        <p14:creationId xmlns:p14="http://schemas.microsoft.com/office/powerpoint/2010/main" val="3999817822"/>
+      </p:ext>
+    </p:extLst>
+  </p:cSld>
+  <p:clrMapOvr>
+    <a:masterClrMapping/>
+  </p:clrMapOvr>
+  <p:transition>
+    <p:fade/>
+  </p:transition>
+</p:sld>
+</file>
+
+<file path=ppt/slides/slide17.xml><?xml version="1.0" encoding="utf-8"?>
+<p:sld xmlns:a="http://schemas.openxmlformats.org/drawingml/2006/main" xmlns:r="http://schemas.openxmlformats.org/officeDocument/2006/relationships" xmlns:p="http://schemas.openxmlformats.org/presentationml/2006/main">
+  <p:cSld>
+    <p:spTree>
+      <p:nvGrpSpPr>
+        <p:cNvPr id="1" name=""/>
+        <p:cNvGrpSpPr/>
+        <p:nvPr/>
+      </p:nvGrpSpPr>
+      <p:grpSpPr>
+        <a:xfrm>
+          <a:off x="0" y="0"/>
+          <a:ext cx="0" cy="0"/>
+          <a:chOff x="0" y="0"/>
+          <a:chExt cx="0" cy="0"/>
+        </a:xfrm>
+      </p:grpSpPr>
+      <p:sp>
+        <p:nvSpPr>
           <p:cNvPr id="3" name="Content Placeholder 2"/>
           <p:cNvSpPr>
             <a:spLocks noGrp="1"/>
@@ -24162,7 +24265,7 @@
 </p:sld>
 </file>
 
-<file path=ppt/slides/slide17.xml><?xml version="1.0" encoding="utf-8"?>
+<file path=ppt/slides/slide18.xml><?xml version="1.0" encoding="utf-8"?>
 <p:sld xmlns:a="http://schemas.openxmlformats.org/drawingml/2006/main" xmlns:r="http://schemas.openxmlformats.org/officeDocument/2006/relationships" xmlns:p="http://schemas.openxmlformats.org/presentationml/2006/main">
   <p:cSld>
     <p:spTree>
@@ -24719,196 +24822,6 @@
 </p:sld>
 </file>
 
-<file path=ppt/slides/slide18.xml><?xml version="1.0" encoding="utf-8"?>
-<p:sld xmlns:a="http://schemas.openxmlformats.org/drawingml/2006/main" xmlns:r="http://schemas.openxmlformats.org/officeDocument/2006/relationships" xmlns:p="http://schemas.openxmlformats.org/presentationml/2006/main">
-  <p:cSld>
-    <p:spTree>
-      <p:nvGrpSpPr>
-        <p:cNvPr id="1" name=""/>
-        <p:cNvGrpSpPr/>
-        <p:nvPr/>
-      </p:nvGrpSpPr>
-      <p:grpSpPr>
-        <a:xfrm>
-          <a:off x="0" y="0"/>
-          <a:ext cx="0" cy="0"/>
-          <a:chOff x="0" y="0"/>
-          <a:chExt cx="0" cy="0"/>
-        </a:xfrm>
-      </p:grpSpPr>
-      <p:sp>
-        <p:nvSpPr>
-          <p:cNvPr id="2" name="Title 1"/>
-          <p:cNvSpPr>
-            <a:spLocks noGrp="1"/>
-          </p:cNvSpPr>
-          <p:nvPr>
-            <p:ph type="title"/>
-          </p:nvPr>
-        </p:nvSpPr>
-        <p:spPr/>
-        <p:txBody>
-          <a:bodyPr>
-            <a:normAutofit fontScale="90000"/>
-          </a:bodyPr>
-          <a:lstStyle/>
-          <a:p>
-            <a:r>
-              <a:rPr lang="en-US" sz="4900" dirty="0">
-                <a:solidFill>
-                  <a:schemeClr val="tx1"/>
-                </a:solidFill>
-                <a:cs typeface="Segoe UI" panose="020B0502040204020203" pitchFamily="34" charset="0"/>
-              </a:rPr>
-              <a:t>Preferred objections handling</a:t>
-            </a:r>
-            <a:br>
-              <a:rPr lang="en-US" dirty="0">
-                <a:solidFill>
-                  <a:schemeClr val="tx1"/>
-                </a:solidFill>
-                <a:latin typeface="Segoe UI" panose="020B0502040204020203" pitchFamily="34" charset="0"/>
-              </a:rPr>
-            </a:br>
-            <a:endParaRPr lang="en-US" sz="3236" dirty="0">
-              <a:solidFill>
-                <a:schemeClr val="tx1"/>
-              </a:solidFill>
-              <a:latin typeface="Segoe UI" panose="020B0502040204020203" pitchFamily="34" charset="0"/>
-            </a:endParaRPr>
-          </a:p>
-        </p:txBody>
-      </p:sp>
-      <p:sp>
-        <p:nvSpPr>
-          <p:cNvPr id="5" name="Text Placeholder 4">
-            <a:extLst>
-              <a:ext uri="{FF2B5EF4-FFF2-40B4-BE49-F238E27FC236}">
-                <a16:creationId xmlns:a16="http://schemas.microsoft.com/office/drawing/2014/main" id="{8E6252BF-5555-489F-94DA-465C669D11C9}"/>
-              </a:ext>
-            </a:extLst>
-          </p:cNvPr>
-          <p:cNvSpPr>
-            <a:spLocks noGrp="1"/>
-          </p:cNvSpPr>
-          <p:nvPr>
-            <p:ph type="body" sz="quarter" idx="10"/>
-          </p:nvPr>
-        </p:nvSpPr>
-        <p:spPr>
-          <a:xfrm>
-            <a:off x="269239" y="1189177"/>
-            <a:ext cx="11653523" cy="6363473"/>
-          </a:xfrm>
-        </p:spPr>
-        <p:txBody>
-          <a:bodyPr/>
-          <a:lstStyle/>
-          <a:p>
-            <a:r>
-              <a:rPr lang="en-US" dirty="0"/>
-              <a:t>Reliability</a:t>
-            </a:r>
-          </a:p>
-          <a:p>
-            <a:pPr lvl="1"/>
-            <a:r>
-              <a:rPr lang="en-US" dirty="0"/>
-              <a:t>Availability Zones provide 99.99% where available, Availability Sets provide 99.95%</a:t>
-            </a:r>
-          </a:p>
-          <a:p>
-            <a:pPr lvl="1"/>
-            <a:r>
-              <a:rPr lang="en-US" dirty="0"/>
-              <a:t>Front Door provides global CDN delivery as well as Perimeter security</a:t>
-            </a:r>
-          </a:p>
-          <a:p>
-            <a:r>
-              <a:rPr lang="en-US" dirty="0"/>
-              <a:t>Cost</a:t>
-            </a:r>
-          </a:p>
-          <a:p>
-            <a:pPr lvl="1"/>
-            <a:r>
-              <a:rPr lang="en-US" dirty="0"/>
-              <a:t>Cost management to monitor and track usage</a:t>
-            </a:r>
-          </a:p>
-          <a:p>
-            <a:pPr lvl="1"/>
-            <a:r>
-              <a:rPr lang="en-US" dirty="0"/>
-              <a:t>Policies to ensure metadata tagging for reports and classification</a:t>
-            </a:r>
-          </a:p>
-          <a:p>
-            <a:r>
-              <a:rPr lang="en-US" dirty="0"/>
-              <a:t>Security</a:t>
-            </a:r>
-          </a:p>
-          <a:p>
-            <a:pPr lvl="1"/>
-            <a:r>
-              <a:rPr lang="en-US" dirty="0"/>
-              <a:t>Azure AD can provide MFA and monitoring of logins globally</a:t>
-            </a:r>
-          </a:p>
-          <a:p>
-            <a:pPr lvl="1"/>
-            <a:r>
-              <a:rPr lang="en-US" dirty="0"/>
-              <a:t>Azure AD B2B to allow for guest access with consistent requirements for authentication</a:t>
-            </a:r>
-          </a:p>
-          <a:p>
-            <a:pPr lvl="1"/>
-            <a:r>
-              <a:rPr lang="en-US" dirty="0"/>
-              <a:t>RBAC can provide reliable, consistent security configurations in each blueprint</a:t>
-            </a:r>
-          </a:p>
-          <a:p>
-            <a:pPr lvl="1"/>
-            <a:r>
-              <a:rPr lang="en-US" dirty="0"/>
-              <a:t>Access can be governed within each region</a:t>
-            </a:r>
-          </a:p>
-          <a:p>
-            <a:pPr lvl="1"/>
-            <a:endParaRPr lang="en-US" dirty="0"/>
-          </a:p>
-          <a:p>
-            <a:pPr lvl="1"/>
-            <a:endParaRPr lang="en-US" dirty="0"/>
-          </a:p>
-        </p:txBody>
-      </p:sp>
-    </p:spTree>
-    <p:extLst>
-      <p:ext uri="{BB962C8B-B14F-4D97-AF65-F5344CB8AC3E}">
-        <p14:creationId xmlns:p14="http://schemas.microsoft.com/office/powerpoint/2010/main" val="2371438961"/>
-      </p:ext>
-    </p:extLst>
-  </p:cSld>
-  <p:clrMapOvr>
-    <a:masterClrMapping/>
-  </p:clrMapOvr>
-  <mc:AlternateContent xmlns:mc="http://schemas.openxmlformats.org/markup-compatibility/2006" xmlns:p14="http://schemas.microsoft.com/office/powerpoint/2010/main">
-    <mc:Choice Requires="p14">
-      <p:transition p14:dur="0"/>
-    </mc:Choice>
-    <mc:Fallback xmlns="">
-      <p:transition/>
-    </mc:Fallback>
-  </mc:AlternateContent>
-</p:sld>
-</file>
-
 <file path=ppt/slides/slide19.xml><?xml version="1.0" encoding="utf-8"?>
 <p:sld xmlns:a="http://schemas.openxmlformats.org/drawingml/2006/main" xmlns:r="http://schemas.openxmlformats.org/officeDocument/2006/relationships" xmlns:p="http://schemas.openxmlformats.org/presentationml/2006/main">
   <p:cSld>
@@ -24950,7 +24863,7 @@
                 </a:solidFill>
                 <a:cs typeface="Segoe UI" panose="020B0502040204020203" pitchFamily="34" charset="0"/>
               </a:rPr>
-              <a:t>Customer quote</a:t>
+              <a:t>Preferred objections handling</a:t>
             </a:r>
             <a:br>
               <a:rPr lang="en-US" dirty="0">
@@ -24971,356 +24884,117 @@
       </p:sp>
       <p:sp>
         <p:nvSpPr>
-          <p:cNvPr id="4" name="Content Placeholder 2">
+          <p:cNvPr id="5" name="Text Placeholder 4">
             <a:extLst>
               <a:ext uri="{FF2B5EF4-FFF2-40B4-BE49-F238E27FC236}">
-                <a16:creationId xmlns:a16="http://schemas.microsoft.com/office/drawing/2014/main" id="{CB82A5D0-4579-4E7F-B119-85B19FA9200F}"/>
+                <a16:creationId xmlns:a16="http://schemas.microsoft.com/office/drawing/2014/main" id="{8E6252BF-5555-489F-94DA-465C669D11C9}"/>
               </a:ext>
             </a:extLst>
           </p:cNvPr>
-          <p:cNvSpPr txBox="1">
-            <a:spLocks/>
+          <p:cNvSpPr>
+            <a:spLocks noGrp="1"/>
           </p:cNvSpPr>
-          <p:nvPr/>
+          <p:nvPr>
+            <p:ph type="body" sz="quarter" idx="10"/>
+          </p:nvPr>
         </p:nvSpPr>
         <p:spPr>
           <a:xfrm>
-            <a:off x="320040" y="1282700"/>
-            <a:ext cx="11194628" cy="5232399"/>
+            <a:off x="269239" y="1189177"/>
+            <a:ext cx="11653523" cy="6363473"/>
           </a:xfrm>
-          <a:prstGeom prst="rect">
-            <a:avLst/>
-          </a:prstGeom>
         </p:spPr>
         <p:txBody>
-          <a:bodyPr vert="horz" wrap="square" lIns="146304" tIns="91440" rIns="146304" bIns="91440" rtlCol="0">
-            <a:normAutofit fontScale="92500" lnSpcReduction="10000"/>
-          </a:bodyPr>
-          <a:lstStyle>
-            <a:lvl1pPr marL="336145" marR="0" indent="-336145" algn="l" defTabSz="914367" rtl="0" eaLnBrk="1" fontAlgn="auto" latinLnBrk="0" hangingPunct="1">
-              <a:lnSpc>
-                <a:spcPct val="90000"/>
-              </a:lnSpc>
-              <a:spcBef>
-                <a:spcPct val="20000"/>
-              </a:spcBef>
-              <a:spcAft>
-                <a:spcPts val="0"/>
-              </a:spcAft>
-              <a:buClrTx/>
-              <a:buSzPct val="90000"/>
-              <a:buFont typeface="Arial" pitchFamily="34" charset="0"/>
-              <a:buChar char="•"/>
-              <a:tabLst/>
-              <a:defRPr sz="3921" kern="1200" spc="0" baseline="0">
-                <a:gradFill>
-                  <a:gsLst>
-                    <a:gs pos="1250">
-                      <a:schemeClr val="tx1"/>
-                    </a:gs>
-                    <a:gs pos="100000">
-                      <a:schemeClr val="tx1"/>
-                    </a:gs>
-                  </a:gsLst>
-                  <a:lin ang="5400000" scaled="0"/>
-                </a:gradFill>
-                <a:latin typeface="+mj-lt"/>
-                <a:ea typeface="+mn-ea"/>
-                <a:cs typeface="+mn-cs"/>
-              </a:defRPr>
-            </a:lvl1pPr>
-            <a:lvl2pPr marL="572691" marR="0" indent="-236546" algn="l" defTabSz="914367" rtl="0" eaLnBrk="1" fontAlgn="auto" latinLnBrk="0" hangingPunct="1">
-              <a:lnSpc>
-                <a:spcPct val="90000"/>
-              </a:lnSpc>
-              <a:spcBef>
-                <a:spcPct val="20000"/>
-              </a:spcBef>
-              <a:spcAft>
-                <a:spcPts val="0"/>
-              </a:spcAft>
-              <a:buClrTx/>
-              <a:buSzPct val="90000"/>
-              <a:buFont typeface="Arial" pitchFamily="34" charset="0"/>
-              <a:buChar char="•"/>
-              <a:tabLst/>
-              <a:defRPr sz="2353" kern="1200" spc="0" baseline="0">
-                <a:gradFill>
-                  <a:gsLst>
-                    <a:gs pos="1250">
-                      <a:schemeClr val="tx1"/>
-                    </a:gs>
-                    <a:gs pos="100000">
-                      <a:schemeClr val="tx1"/>
-                    </a:gs>
-                  </a:gsLst>
-                  <a:lin ang="5400000" scaled="0"/>
-                </a:gradFill>
-                <a:latin typeface="+mn-lt"/>
-                <a:ea typeface="+mn-ea"/>
-                <a:cs typeface="+mn-cs"/>
-              </a:defRPr>
-            </a:lvl2pPr>
-            <a:lvl3pPr marL="784338" marR="0" indent="-224097" algn="l" defTabSz="914367" rtl="0" eaLnBrk="1" fontAlgn="auto" latinLnBrk="0" hangingPunct="1">
-              <a:lnSpc>
-                <a:spcPct val="90000"/>
-              </a:lnSpc>
-              <a:spcBef>
-                <a:spcPct val="20000"/>
-              </a:spcBef>
-              <a:spcAft>
-                <a:spcPts val="0"/>
-              </a:spcAft>
-              <a:buClrTx/>
-              <a:buSzPct val="90000"/>
-              <a:buFont typeface="Arial" pitchFamily="34" charset="0"/>
-              <a:buChar char="•"/>
-              <a:tabLst/>
-              <a:defRPr sz="1961" kern="1200" spc="0" baseline="0">
-                <a:gradFill>
-                  <a:gsLst>
-                    <a:gs pos="1250">
-                      <a:schemeClr val="tx1"/>
-                    </a:gs>
-                    <a:gs pos="100000">
-                      <a:schemeClr val="tx1"/>
-                    </a:gs>
-                  </a:gsLst>
-                  <a:lin ang="5400000" scaled="0"/>
-                </a:gradFill>
-                <a:latin typeface="+mn-lt"/>
-                <a:ea typeface="+mn-ea"/>
-                <a:cs typeface="+mn-cs"/>
-              </a:defRPr>
-            </a:lvl3pPr>
-            <a:lvl4pPr marL="1008435" marR="0" indent="-224097" algn="l" defTabSz="914367" rtl="0" eaLnBrk="1" fontAlgn="auto" latinLnBrk="0" hangingPunct="1">
-              <a:lnSpc>
-                <a:spcPct val="90000"/>
-              </a:lnSpc>
-              <a:spcBef>
-                <a:spcPct val="20000"/>
-              </a:spcBef>
-              <a:spcAft>
-                <a:spcPts val="0"/>
-              </a:spcAft>
-              <a:buClrTx/>
-              <a:buSzPct val="90000"/>
-              <a:buFont typeface="Arial" pitchFamily="34" charset="0"/>
-              <a:buChar char="•"/>
-              <a:tabLst/>
-              <a:defRPr sz="1765" kern="1200" spc="0" baseline="0">
-                <a:gradFill>
-                  <a:gsLst>
-                    <a:gs pos="1250">
-                      <a:schemeClr val="tx1"/>
-                    </a:gs>
-                    <a:gs pos="100000">
-                      <a:schemeClr val="tx1"/>
-                    </a:gs>
-                  </a:gsLst>
-                  <a:lin ang="5400000" scaled="0"/>
-                </a:gradFill>
-                <a:latin typeface="+mn-lt"/>
-                <a:ea typeface="+mn-ea"/>
-                <a:cs typeface="+mn-cs"/>
-              </a:defRPr>
-            </a:lvl4pPr>
-            <a:lvl5pPr marL="1232531" marR="0" indent="-224097" algn="l" defTabSz="914367" rtl="0" eaLnBrk="1" fontAlgn="auto" latinLnBrk="0" hangingPunct="1">
-              <a:lnSpc>
-                <a:spcPct val="90000"/>
-              </a:lnSpc>
-              <a:spcBef>
-                <a:spcPct val="20000"/>
-              </a:spcBef>
-              <a:spcAft>
-                <a:spcPts val="0"/>
-              </a:spcAft>
-              <a:buClrTx/>
-              <a:buSzPct val="90000"/>
-              <a:buFont typeface="Arial" pitchFamily="34" charset="0"/>
-              <a:buChar char="•"/>
-              <a:tabLst/>
-              <a:defRPr sz="1765" kern="1200" spc="0" baseline="0">
-                <a:gradFill>
-                  <a:gsLst>
-                    <a:gs pos="1250">
-                      <a:schemeClr val="tx1"/>
-                    </a:gs>
-                    <a:gs pos="100000">
-                      <a:schemeClr val="tx1"/>
-                    </a:gs>
-                  </a:gsLst>
-                  <a:lin ang="5400000" scaled="0"/>
-                </a:gradFill>
-                <a:latin typeface="+mn-lt"/>
-                <a:ea typeface="+mn-ea"/>
-                <a:cs typeface="+mn-cs"/>
-              </a:defRPr>
-            </a:lvl5pPr>
-            <a:lvl6pPr marL="2514509" indent="-228592" algn="l" defTabSz="914367" rtl="0" eaLnBrk="1" latinLnBrk="0" hangingPunct="1">
-              <a:spcBef>
-                <a:spcPct val="20000"/>
-              </a:spcBef>
-              <a:buFont typeface="Arial" pitchFamily="34" charset="0"/>
-              <a:buChar char="•"/>
-              <a:defRPr sz="1961" kern="1200">
-                <a:solidFill>
-                  <a:schemeClr val="tx1"/>
-                </a:solidFill>
-                <a:latin typeface="+mn-lt"/>
-                <a:ea typeface="+mn-ea"/>
-                <a:cs typeface="+mn-cs"/>
-              </a:defRPr>
-            </a:lvl6pPr>
-            <a:lvl7pPr marL="2971693" indent="-228592" algn="l" defTabSz="914367" rtl="0" eaLnBrk="1" latinLnBrk="0" hangingPunct="1">
-              <a:spcBef>
-                <a:spcPct val="20000"/>
-              </a:spcBef>
-              <a:buFont typeface="Arial" pitchFamily="34" charset="0"/>
-              <a:buChar char="•"/>
-              <a:defRPr sz="1961" kern="1200">
-                <a:solidFill>
-                  <a:schemeClr val="tx1"/>
-                </a:solidFill>
-                <a:latin typeface="+mn-lt"/>
-                <a:ea typeface="+mn-ea"/>
-                <a:cs typeface="+mn-cs"/>
-              </a:defRPr>
-            </a:lvl7pPr>
-            <a:lvl8pPr marL="3428877" indent="-228592" algn="l" defTabSz="914367" rtl="0" eaLnBrk="1" latinLnBrk="0" hangingPunct="1">
-              <a:spcBef>
-                <a:spcPct val="20000"/>
-              </a:spcBef>
-              <a:buFont typeface="Arial" pitchFamily="34" charset="0"/>
-              <a:buChar char="•"/>
-              <a:defRPr sz="1961" kern="1200">
-                <a:solidFill>
-                  <a:schemeClr val="tx1"/>
-                </a:solidFill>
-                <a:latin typeface="+mn-lt"/>
-                <a:ea typeface="+mn-ea"/>
-                <a:cs typeface="+mn-cs"/>
-              </a:defRPr>
-            </a:lvl8pPr>
-            <a:lvl9pPr marL="3886061" indent="-228592" algn="l" defTabSz="914367" rtl="0" eaLnBrk="1" latinLnBrk="0" hangingPunct="1">
-              <a:spcBef>
-                <a:spcPct val="20000"/>
-              </a:spcBef>
-              <a:buFont typeface="Arial" pitchFamily="34" charset="0"/>
-              <a:buChar char="•"/>
-              <a:defRPr sz="1961" kern="1200">
-                <a:solidFill>
-                  <a:schemeClr val="tx1"/>
-                </a:solidFill>
-                <a:latin typeface="+mn-lt"/>
-                <a:ea typeface="+mn-ea"/>
-                <a:cs typeface="+mn-cs"/>
-              </a:defRPr>
-            </a:lvl9pPr>
-          </a:lstStyle>
-          <a:p>
-            <a:pPr marL="0" indent="0">
-              <a:buFont typeface="Arial" pitchFamily="34" charset="0"/>
-              <a:buNone/>
-            </a:pPr>
+          <a:bodyPr/>
+          <a:lstStyle/>
+          <a:p>
             <a:r>
               <a:rPr lang="en-US" dirty="0"/>
-              <a:t>“From the details and designed help of Azure Landing</a:t>
-            </a:r>
-          </a:p>
-          <a:p>
-            <a:pPr marL="0" indent="0">
-              <a:buFont typeface="Arial" pitchFamily="34" charset="0"/>
-              <a:buNone/>
-            </a:pPr>
+              <a:t>Reliability</a:t>
+            </a:r>
+          </a:p>
+          <a:p>
+            <a:pPr lvl="1"/>
             <a:r>
               <a:rPr lang="en-US" dirty="0"/>
-              <a:t>Zones, we were able to quickly build our own blueprints</a:t>
-            </a:r>
-          </a:p>
-          <a:p>
-            <a:pPr marL="0" indent="0">
-              <a:buFont typeface="Arial" pitchFamily="34" charset="0"/>
-              <a:buNone/>
-            </a:pPr>
+              <a:t>Availability Zones provide 99.99% where available, Availability Sets provide 99.95%</a:t>
+            </a:r>
+          </a:p>
+          <a:p>
+            <a:pPr lvl="1"/>
             <a:r>
               <a:rPr lang="en-US" dirty="0"/>
-              <a:t>to ensure reliable and consistent design across our entire</a:t>
-            </a:r>
-          </a:p>
-          <a:p>
-            <a:pPr marL="0" indent="0">
-              <a:buFont typeface="Arial" pitchFamily="34" charset="0"/>
-              <a:buNone/>
-            </a:pPr>
+              <a:t>Front Door provides global CDN delivery as well as Perimeter security</a:t>
+            </a:r>
+          </a:p>
+          <a:p>
             <a:r>
               <a:rPr lang="en-US" dirty="0"/>
-              <a:t>enterprise.  In addition, we've are able to utilize the</a:t>
-            </a:r>
-          </a:p>
-          <a:p>
-            <a:pPr marL="0" indent="0">
-              <a:buFont typeface="Arial" pitchFamily="34" charset="0"/>
-              <a:buNone/>
-            </a:pPr>
+              <a:t>Cost</a:t>
+            </a:r>
+          </a:p>
+          <a:p>
+            <a:pPr lvl="1"/>
             <a:r>
               <a:rPr lang="en-US" dirty="0"/>
-              <a:t>central reporting and management tools for tracking</a:t>
-            </a:r>
-          </a:p>
-          <a:p>
-            <a:pPr marL="0" indent="0">
-              <a:buFont typeface="Arial" pitchFamily="34" charset="0"/>
-              <a:buNone/>
-            </a:pPr>
+              <a:t>Cost management to monitor and track usage</a:t>
+            </a:r>
+          </a:p>
+          <a:p>
+            <a:pPr lvl="1"/>
             <a:r>
               <a:rPr lang="en-US" dirty="0"/>
-              <a:t>and watching our systems for now into the future as we</a:t>
-            </a:r>
-          </a:p>
-          <a:p>
-            <a:pPr marL="0" indent="0">
-              <a:buFont typeface="Arial" pitchFamily="34" charset="0"/>
-              <a:buNone/>
-            </a:pPr>
+              <a:t>Policies to ensure metadata tagging for reports and classification</a:t>
+            </a:r>
+          </a:p>
+          <a:p>
             <a:r>
               <a:rPr lang="en-US" dirty="0"/>
-              <a:t>continue to grow and scale our solutions.”</a:t>
-            </a:r>
-          </a:p>
-          <a:p>
-            <a:pPr marL="0" indent="0">
-              <a:buFont typeface="Arial" pitchFamily="34" charset="0"/>
-              <a:buNone/>
-            </a:pPr>
-            <a:br>
+              <a:t>Security</a:t>
+            </a:r>
+          </a:p>
+          <a:p>
+            <a:pPr lvl="1"/>
+            <a:r>
               <a:rPr lang="en-US" dirty="0"/>
-            </a:br>
+              <a:t>Azure AD can provide MFA and monitoring of logins globally</a:t>
+            </a:r>
+          </a:p>
+          <a:p>
+            <a:pPr lvl="1"/>
             <a:r>
               <a:rPr lang="en-US" dirty="0"/>
-              <a:t>- Hugo Fisher, Founder of Contoso Logistics</a:t>
-            </a:r>
-          </a:p>
-          <a:p>
-            <a:pPr marL="0" indent="0">
-              <a:spcAft>
-                <a:spcPts val="882"/>
-              </a:spcAft>
-              <a:buFont typeface="Arial" pitchFamily="34" charset="0"/>
-              <a:buNone/>
-            </a:pPr>
-            <a:endParaRPr lang="en-US" sz="1800" dirty="0">
-              <a:solidFill>
-                <a:schemeClr val="tx1"/>
-              </a:solidFill>
-            </a:endParaRPr>
+              <a:t>Azure AD B2B to allow for guest access with consistent requirements for authentication</a:t>
+            </a:r>
+          </a:p>
+          <a:p>
+            <a:pPr lvl="1"/>
+            <a:r>
+              <a:rPr lang="en-US" dirty="0"/>
+              <a:t>RBAC can provide reliable, consistent security configurations in each blueprint</a:t>
+            </a:r>
+          </a:p>
+          <a:p>
+            <a:pPr lvl="1"/>
+            <a:r>
+              <a:rPr lang="en-US" dirty="0"/>
+              <a:t>Access can be governed within each region</a:t>
+            </a:r>
+          </a:p>
+          <a:p>
+            <a:pPr lvl="1"/>
+            <a:endParaRPr lang="en-US" dirty="0"/>
+          </a:p>
+          <a:p>
+            <a:pPr lvl="1"/>
+            <a:endParaRPr lang="en-US" dirty="0"/>
           </a:p>
         </p:txBody>
       </p:sp>
     </p:spTree>
     <p:extLst>
       <p:ext uri="{BB962C8B-B14F-4D97-AF65-F5344CB8AC3E}">
-        <p14:creationId xmlns:p14="http://schemas.microsoft.com/office/powerpoint/2010/main" val="2584764470"/>
+        <p14:creationId xmlns:p14="http://schemas.microsoft.com/office/powerpoint/2010/main" val="2371438961"/>
       </p:ext>
     </p:extLst>
   </p:cSld>
@@ -33139,6 +32813,435 @@
 <file path=ppt/slides/slide20.xml><?xml version="1.0" encoding="utf-8"?>
 <p:sld xmlns:a="http://schemas.openxmlformats.org/drawingml/2006/main" xmlns:r="http://schemas.openxmlformats.org/officeDocument/2006/relationships" xmlns:p="http://schemas.openxmlformats.org/presentationml/2006/main">
   <p:cSld>
+    <p:spTree>
+      <p:nvGrpSpPr>
+        <p:cNvPr id="1" name=""/>
+        <p:cNvGrpSpPr/>
+        <p:nvPr/>
+      </p:nvGrpSpPr>
+      <p:grpSpPr>
+        <a:xfrm>
+          <a:off x="0" y="0"/>
+          <a:ext cx="0" cy="0"/>
+          <a:chOff x="0" y="0"/>
+          <a:chExt cx="0" cy="0"/>
+        </a:xfrm>
+      </p:grpSpPr>
+      <p:sp>
+        <p:nvSpPr>
+          <p:cNvPr id="2" name="Title 1"/>
+          <p:cNvSpPr>
+            <a:spLocks noGrp="1"/>
+          </p:cNvSpPr>
+          <p:nvPr>
+            <p:ph type="title"/>
+          </p:nvPr>
+        </p:nvSpPr>
+        <p:spPr/>
+        <p:txBody>
+          <a:bodyPr>
+            <a:normAutofit fontScale="90000"/>
+          </a:bodyPr>
+          <a:lstStyle/>
+          <a:p>
+            <a:r>
+              <a:rPr lang="en-US" sz="4900" dirty="0">
+                <a:solidFill>
+                  <a:schemeClr val="tx1"/>
+                </a:solidFill>
+                <a:cs typeface="Segoe UI" panose="020B0502040204020203" pitchFamily="34" charset="0"/>
+              </a:rPr>
+              <a:t>Customer quote</a:t>
+            </a:r>
+            <a:br>
+              <a:rPr lang="en-US" dirty="0">
+                <a:solidFill>
+                  <a:schemeClr val="tx1"/>
+                </a:solidFill>
+                <a:latin typeface="Segoe UI" panose="020B0502040204020203" pitchFamily="34" charset="0"/>
+              </a:rPr>
+            </a:br>
+            <a:endParaRPr lang="en-US" sz="3236" dirty="0">
+              <a:solidFill>
+                <a:schemeClr val="tx1"/>
+              </a:solidFill>
+              <a:latin typeface="Segoe UI" panose="020B0502040204020203" pitchFamily="34" charset="0"/>
+            </a:endParaRPr>
+          </a:p>
+        </p:txBody>
+      </p:sp>
+      <p:sp>
+        <p:nvSpPr>
+          <p:cNvPr id="4" name="Content Placeholder 2">
+            <a:extLst>
+              <a:ext uri="{FF2B5EF4-FFF2-40B4-BE49-F238E27FC236}">
+                <a16:creationId xmlns:a16="http://schemas.microsoft.com/office/drawing/2014/main" id="{CB82A5D0-4579-4E7F-B119-85B19FA9200F}"/>
+              </a:ext>
+            </a:extLst>
+          </p:cNvPr>
+          <p:cNvSpPr txBox="1">
+            <a:spLocks/>
+          </p:cNvSpPr>
+          <p:nvPr/>
+        </p:nvSpPr>
+        <p:spPr>
+          <a:xfrm>
+            <a:off x="320040" y="1282700"/>
+            <a:ext cx="11194628" cy="5232399"/>
+          </a:xfrm>
+          <a:prstGeom prst="rect">
+            <a:avLst/>
+          </a:prstGeom>
+        </p:spPr>
+        <p:txBody>
+          <a:bodyPr vert="horz" wrap="square" lIns="146304" tIns="91440" rIns="146304" bIns="91440" rtlCol="0">
+            <a:normAutofit fontScale="92500" lnSpcReduction="10000"/>
+          </a:bodyPr>
+          <a:lstStyle>
+            <a:lvl1pPr marL="336145" marR="0" indent="-336145" algn="l" defTabSz="914367" rtl="0" eaLnBrk="1" fontAlgn="auto" latinLnBrk="0" hangingPunct="1">
+              <a:lnSpc>
+                <a:spcPct val="90000"/>
+              </a:lnSpc>
+              <a:spcBef>
+                <a:spcPct val="20000"/>
+              </a:spcBef>
+              <a:spcAft>
+                <a:spcPts val="0"/>
+              </a:spcAft>
+              <a:buClrTx/>
+              <a:buSzPct val="90000"/>
+              <a:buFont typeface="Arial" pitchFamily="34" charset="0"/>
+              <a:buChar char="•"/>
+              <a:tabLst/>
+              <a:defRPr sz="3921" kern="1200" spc="0" baseline="0">
+                <a:gradFill>
+                  <a:gsLst>
+                    <a:gs pos="1250">
+                      <a:schemeClr val="tx1"/>
+                    </a:gs>
+                    <a:gs pos="100000">
+                      <a:schemeClr val="tx1"/>
+                    </a:gs>
+                  </a:gsLst>
+                  <a:lin ang="5400000" scaled="0"/>
+                </a:gradFill>
+                <a:latin typeface="+mj-lt"/>
+                <a:ea typeface="+mn-ea"/>
+                <a:cs typeface="+mn-cs"/>
+              </a:defRPr>
+            </a:lvl1pPr>
+            <a:lvl2pPr marL="572691" marR="0" indent="-236546" algn="l" defTabSz="914367" rtl="0" eaLnBrk="1" fontAlgn="auto" latinLnBrk="0" hangingPunct="1">
+              <a:lnSpc>
+                <a:spcPct val="90000"/>
+              </a:lnSpc>
+              <a:spcBef>
+                <a:spcPct val="20000"/>
+              </a:spcBef>
+              <a:spcAft>
+                <a:spcPts val="0"/>
+              </a:spcAft>
+              <a:buClrTx/>
+              <a:buSzPct val="90000"/>
+              <a:buFont typeface="Arial" pitchFamily="34" charset="0"/>
+              <a:buChar char="•"/>
+              <a:tabLst/>
+              <a:defRPr sz="2353" kern="1200" spc="0" baseline="0">
+                <a:gradFill>
+                  <a:gsLst>
+                    <a:gs pos="1250">
+                      <a:schemeClr val="tx1"/>
+                    </a:gs>
+                    <a:gs pos="100000">
+                      <a:schemeClr val="tx1"/>
+                    </a:gs>
+                  </a:gsLst>
+                  <a:lin ang="5400000" scaled="0"/>
+                </a:gradFill>
+                <a:latin typeface="+mn-lt"/>
+                <a:ea typeface="+mn-ea"/>
+                <a:cs typeface="+mn-cs"/>
+              </a:defRPr>
+            </a:lvl2pPr>
+            <a:lvl3pPr marL="784338" marR="0" indent="-224097" algn="l" defTabSz="914367" rtl="0" eaLnBrk="1" fontAlgn="auto" latinLnBrk="0" hangingPunct="1">
+              <a:lnSpc>
+                <a:spcPct val="90000"/>
+              </a:lnSpc>
+              <a:spcBef>
+                <a:spcPct val="20000"/>
+              </a:spcBef>
+              <a:spcAft>
+                <a:spcPts val="0"/>
+              </a:spcAft>
+              <a:buClrTx/>
+              <a:buSzPct val="90000"/>
+              <a:buFont typeface="Arial" pitchFamily="34" charset="0"/>
+              <a:buChar char="•"/>
+              <a:tabLst/>
+              <a:defRPr sz="1961" kern="1200" spc="0" baseline="0">
+                <a:gradFill>
+                  <a:gsLst>
+                    <a:gs pos="1250">
+                      <a:schemeClr val="tx1"/>
+                    </a:gs>
+                    <a:gs pos="100000">
+                      <a:schemeClr val="tx1"/>
+                    </a:gs>
+                  </a:gsLst>
+                  <a:lin ang="5400000" scaled="0"/>
+                </a:gradFill>
+                <a:latin typeface="+mn-lt"/>
+                <a:ea typeface="+mn-ea"/>
+                <a:cs typeface="+mn-cs"/>
+              </a:defRPr>
+            </a:lvl3pPr>
+            <a:lvl4pPr marL="1008435" marR="0" indent="-224097" algn="l" defTabSz="914367" rtl="0" eaLnBrk="1" fontAlgn="auto" latinLnBrk="0" hangingPunct="1">
+              <a:lnSpc>
+                <a:spcPct val="90000"/>
+              </a:lnSpc>
+              <a:spcBef>
+                <a:spcPct val="20000"/>
+              </a:spcBef>
+              <a:spcAft>
+                <a:spcPts val="0"/>
+              </a:spcAft>
+              <a:buClrTx/>
+              <a:buSzPct val="90000"/>
+              <a:buFont typeface="Arial" pitchFamily="34" charset="0"/>
+              <a:buChar char="•"/>
+              <a:tabLst/>
+              <a:defRPr sz="1765" kern="1200" spc="0" baseline="0">
+                <a:gradFill>
+                  <a:gsLst>
+                    <a:gs pos="1250">
+                      <a:schemeClr val="tx1"/>
+                    </a:gs>
+                    <a:gs pos="100000">
+                      <a:schemeClr val="tx1"/>
+                    </a:gs>
+                  </a:gsLst>
+                  <a:lin ang="5400000" scaled="0"/>
+                </a:gradFill>
+                <a:latin typeface="+mn-lt"/>
+                <a:ea typeface="+mn-ea"/>
+                <a:cs typeface="+mn-cs"/>
+              </a:defRPr>
+            </a:lvl4pPr>
+            <a:lvl5pPr marL="1232531" marR="0" indent="-224097" algn="l" defTabSz="914367" rtl="0" eaLnBrk="1" fontAlgn="auto" latinLnBrk="0" hangingPunct="1">
+              <a:lnSpc>
+                <a:spcPct val="90000"/>
+              </a:lnSpc>
+              <a:spcBef>
+                <a:spcPct val="20000"/>
+              </a:spcBef>
+              <a:spcAft>
+                <a:spcPts val="0"/>
+              </a:spcAft>
+              <a:buClrTx/>
+              <a:buSzPct val="90000"/>
+              <a:buFont typeface="Arial" pitchFamily="34" charset="0"/>
+              <a:buChar char="•"/>
+              <a:tabLst/>
+              <a:defRPr sz="1765" kern="1200" spc="0" baseline="0">
+                <a:gradFill>
+                  <a:gsLst>
+                    <a:gs pos="1250">
+                      <a:schemeClr val="tx1"/>
+                    </a:gs>
+                    <a:gs pos="100000">
+                      <a:schemeClr val="tx1"/>
+                    </a:gs>
+                  </a:gsLst>
+                  <a:lin ang="5400000" scaled="0"/>
+                </a:gradFill>
+                <a:latin typeface="+mn-lt"/>
+                <a:ea typeface="+mn-ea"/>
+                <a:cs typeface="+mn-cs"/>
+              </a:defRPr>
+            </a:lvl5pPr>
+            <a:lvl6pPr marL="2514509" indent="-228592" algn="l" defTabSz="914367" rtl="0" eaLnBrk="1" latinLnBrk="0" hangingPunct="1">
+              <a:spcBef>
+                <a:spcPct val="20000"/>
+              </a:spcBef>
+              <a:buFont typeface="Arial" pitchFamily="34" charset="0"/>
+              <a:buChar char="•"/>
+              <a:defRPr sz="1961" kern="1200">
+                <a:solidFill>
+                  <a:schemeClr val="tx1"/>
+                </a:solidFill>
+                <a:latin typeface="+mn-lt"/>
+                <a:ea typeface="+mn-ea"/>
+                <a:cs typeface="+mn-cs"/>
+              </a:defRPr>
+            </a:lvl6pPr>
+            <a:lvl7pPr marL="2971693" indent="-228592" algn="l" defTabSz="914367" rtl="0" eaLnBrk="1" latinLnBrk="0" hangingPunct="1">
+              <a:spcBef>
+                <a:spcPct val="20000"/>
+              </a:spcBef>
+              <a:buFont typeface="Arial" pitchFamily="34" charset="0"/>
+              <a:buChar char="•"/>
+              <a:defRPr sz="1961" kern="1200">
+                <a:solidFill>
+                  <a:schemeClr val="tx1"/>
+                </a:solidFill>
+                <a:latin typeface="+mn-lt"/>
+                <a:ea typeface="+mn-ea"/>
+                <a:cs typeface="+mn-cs"/>
+              </a:defRPr>
+            </a:lvl7pPr>
+            <a:lvl8pPr marL="3428877" indent="-228592" algn="l" defTabSz="914367" rtl="0" eaLnBrk="1" latinLnBrk="0" hangingPunct="1">
+              <a:spcBef>
+                <a:spcPct val="20000"/>
+              </a:spcBef>
+              <a:buFont typeface="Arial" pitchFamily="34" charset="0"/>
+              <a:buChar char="•"/>
+              <a:defRPr sz="1961" kern="1200">
+                <a:solidFill>
+                  <a:schemeClr val="tx1"/>
+                </a:solidFill>
+                <a:latin typeface="+mn-lt"/>
+                <a:ea typeface="+mn-ea"/>
+                <a:cs typeface="+mn-cs"/>
+              </a:defRPr>
+            </a:lvl8pPr>
+            <a:lvl9pPr marL="3886061" indent="-228592" algn="l" defTabSz="914367" rtl="0" eaLnBrk="1" latinLnBrk="0" hangingPunct="1">
+              <a:spcBef>
+                <a:spcPct val="20000"/>
+              </a:spcBef>
+              <a:buFont typeface="Arial" pitchFamily="34" charset="0"/>
+              <a:buChar char="•"/>
+              <a:defRPr sz="1961" kern="1200">
+                <a:solidFill>
+                  <a:schemeClr val="tx1"/>
+                </a:solidFill>
+                <a:latin typeface="+mn-lt"/>
+                <a:ea typeface="+mn-ea"/>
+                <a:cs typeface="+mn-cs"/>
+              </a:defRPr>
+            </a:lvl9pPr>
+          </a:lstStyle>
+          <a:p>
+            <a:pPr marL="0" indent="0">
+              <a:buFont typeface="Arial" pitchFamily="34" charset="0"/>
+              <a:buNone/>
+            </a:pPr>
+            <a:r>
+              <a:rPr lang="en-US" dirty="0"/>
+              <a:t>“From the details and designed help of Azure Landing</a:t>
+            </a:r>
+          </a:p>
+          <a:p>
+            <a:pPr marL="0" indent="0">
+              <a:buFont typeface="Arial" pitchFamily="34" charset="0"/>
+              <a:buNone/>
+            </a:pPr>
+            <a:r>
+              <a:rPr lang="en-US" dirty="0"/>
+              <a:t>Zones, we were able to quickly build our own blueprints</a:t>
+            </a:r>
+          </a:p>
+          <a:p>
+            <a:pPr marL="0" indent="0">
+              <a:buFont typeface="Arial" pitchFamily="34" charset="0"/>
+              <a:buNone/>
+            </a:pPr>
+            <a:r>
+              <a:rPr lang="en-US" dirty="0"/>
+              <a:t>to ensure reliable and consistent design across our entire</a:t>
+            </a:r>
+          </a:p>
+          <a:p>
+            <a:pPr marL="0" indent="0">
+              <a:buFont typeface="Arial" pitchFamily="34" charset="0"/>
+              <a:buNone/>
+            </a:pPr>
+            <a:r>
+              <a:rPr lang="en-US" dirty="0"/>
+              <a:t>enterprise.  In addition, we've are able to utilize the</a:t>
+            </a:r>
+          </a:p>
+          <a:p>
+            <a:pPr marL="0" indent="0">
+              <a:buFont typeface="Arial" pitchFamily="34" charset="0"/>
+              <a:buNone/>
+            </a:pPr>
+            <a:r>
+              <a:rPr lang="en-US" dirty="0"/>
+              <a:t>central reporting and management tools for tracking</a:t>
+            </a:r>
+          </a:p>
+          <a:p>
+            <a:pPr marL="0" indent="0">
+              <a:buFont typeface="Arial" pitchFamily="34" charset="0"/>
+              <a:buNone/>
+            </a:pPr>
+            <a:r>
+              <a:rPr lang="en-US" dirty="0"/>
+              <a:t>and watching our systems for now into the future as we</a:t>
+            </a:r>
+          </a:p>
+          <a:p>
+            <a:pPr marL="0" indent="0">
+              <a:buFont typeface="Arial" pitchFamily="34" charset="0"/>
+              <a:buNone/>
+            </a:pPr>
+            <a:r>
+              <a:rPr lang="en-US" dirty="0"/>
+              <a:t>continue to grow and scale our solutions.”</a:t>
+            </a:r>
+          </a:p>
+          <a:p>
+            <a:pPr marL="0" indent="0">
+              <a:buFont typeface="Arial" pitchFamily="34" charset="0"/>
+              <a:buNone/>
+            </a:pPr>
+            <a:br>
+              <a:rPr lang="en-US" dirty="0"/>
+            </a:br>
+            <a:r>
+              <a:rPr lang="en-US" dirty="0"/>
+              <a:t>- Hugo Fisher, Founder of Contoso Logistics</a:t>
+            </a:r>
+          </a:p>
+          <a:p>
+            <a:pPr marL="0" indent="0">
+              <a:spcAft>
+                <a:spcPts val="882"/>
+              </a:spcAft>
+              <a:buFont typeface="Arial" pitchFamily="34" charset="0"/>
+              <a:buNone/>
+            </a:pPr>
+            <a:endParaRPr lang="en-US" sz="1800" dirty="0">
+              <a:solidFill>
+                <a:schemeClr val="tx1"/>
+              </a:solidFill>
+            </a:endParaRPr>
+          </a:p>
+        </p:txBody>
+      </p:sp>
+    </p:spTree>
+    <p:extLst>
+      <p:ext uri="{BB962C8B-B14F-4D97-AF65-F5344CB8AC3E}">
+        <p14:creationId xmlns:p14="http://schemas.microsoft.com/office/powerpoint/2010/main" val="2584764470"/>
+      </p:ext>
+    </p:extLst>
+  </p:cSld>
+  <p:clrMapOvr>
+    <a:masterClrMapping/>
+  </p:clrMapOvr>
+  <mc:AlternateContent xmlns:mc="http://schemas.openxmlformats.org/markup-compatibility/2006" xmlns:p14="http://schemas.microsoft.com/office/powerpoint/2010/main">
+    <mc:Choice Requires="p14">
+      <p:transition p14:dur="0"/>
+    </mc:Choice>
+    <mc:Fallback xmlns="">
+      <p:transition/>
+    </mc:Fallback>
+  </mc:AlternateContent>
+</p:sld>
+</file>
+
+<file path=ppt/slides/slide21.xml><?xml version="1.0" encoding="utf-8"?>
+<p:sld xmlns:a="http://schemas.openxmlformats.org/drawingml/2006/main" xmlns:r="http://schemas.openxmlformats.org/officeDocument/2006/relationships" xmlns:p="http://schemas.openxmlformats.org/presentationml/2006/main">
+  <p:cSld>
     <p:bg>
       <p:bgPr>
         <a:solidFill>
@@ -33186,7 +33289,7 @@
 </p:sld>
 </file>
 
-<file path=ppt/slides/slide21.xml><?xml version="1.0" encoding="utf-8"?>
+<file path=ppt/slides/slide22.xml><?xml version="1.0" encoding="utf-8"?>
 <p:sld xmlns:a="http://schemas.openxmlformats.org/drawingml/2006/main" xmlns:r="http://schemas.openxmlformats.org/officeDocument/2006/relationships" xmlns:p="http://schemas.openxmlformats.org/presentationml/2006/main" show="0">
   <p:cSld>
     <p:bg>
@@ -33322,13 +33425,13 @@
   <p:clrMapOvr>
     <a:masterClrMapping/>
   </p:clrMapOvr>
-  <mc:AlternateContent xmlns:mc="http://schemas.openxmlformats.org/markup-compatibility/2006">
-    <mc:Choice xmlns:p14="http://schemas.microsoft.com/office/powerpoint/2010/main" Requires="p14">
+  <mc:AlternateContent xmlns:mc="http://schemas.openxmlformats.org/markup-compatibility/2006" xmlns:p14="http://schemas.microsoft.com/office/powerpoint/2010/main">
+    <mc:Choice Requires="p14">
       <p:transition spd="med" p14:dur="700">
         <p:fade/>
       </p:transition>
     </mc:Choice>
-    <mc:Fallback>
+    <mc:Fallback xmlns="">
       <p:transition spd="med">
         <p:fade/>
       </p:transition>
@@ -33337,7 +33440,7 @@
 </p:sld>
 </file>
 
-<file path=ppt/slides/slide22.xml><?xml version="1.0" encoding="utf-8"?>
+<file path=ppt/slides/slide23.xml><?xml version="1.0" encoding="utf-8"?>
 <p:sld xmlns:a="http://schemas.openxmlformats.org/drawingml/2006/main" xmlns:r="http://schemas.openxmlformats.org/officeDocument/2006/relationships" xmlns:p="http://schemas.openxmlformats.org/presentationml/2006/main" show="0">
   <p:cSld>
     <p:spTree>
@@ -33473,13 +33576,13 @@
   <p:clrMapOvr>
     <a:masterClrMapping/>
   </p:clrMapOvr>
-  <mc:AlternateContent xmlns:mc="http://schemas.openxmlformats.org/markup-compatibility/2006">
-    <mc:Choice xmlns:p14="http://schemas.microsoft.com/office/powerpoint/2010/main" Requires="p14">
+  <mc:AlternateContent xmlns:mc="http://schemas.openxmlformats.org/markup-compatibility/2006" xmlns:p14="http://schemas.microsoft.com/office/powerpoint/2010/main">
+    <mc:Choice Requires="p14">
       <p:transition spd="med" p14:dur="700">
         <p:fade/>
       </p:transition>
     </mc:Choice>
-    <mc:Fallback>
+    <mc:Fallback xmlns="">
       <p:transition spd="med">
         <p:fade/>
       </p:transition>
@@ -33488,7 +33591,7 @@
 </p:sld>
 </file>
 
-<file path=ppt/slides/slide23.xml><?xml version="1.0" encoding="utf-8"?>
+<file path=ppt/slides/slide24.xml><?xml version="1.0" encoding="utf-8"?>
 <p:sld xmlns:a="http://schemas.openxmlformats.org/drawingml/2006/main" xmlns:r="http://schemas.openxmlformats.org/officeDocument/2006/relationships" xmlns:p="http://schemas.openxmlformats.org/presentationml/2006/main" show="0">
   <p:cSld>
     <p:spTree>
@@ -33881,13 +33984,13 @@
   <p:clrMapOvr>
     <a:masterClrMapping/>
   </p:clrMapOvr>
-  <mc:AlternateContent xmlns:mc="http://schemas.openxmlformats.org/markup-compatibility/2006">
-    <mc:Choice xmlns:p14="http://schemas.microsoft.com/office/powerpoint/2010/main" Requires="p14">
+  <mc:AlternateContent xmlns:mc="http://schemas.openxmlformats.org/markup-compatibility/2006" xmlns:p14="http://schemas.microsoft.com/office/powerpoint/2010/main">
+    <mc:Choice Requires="p14">
       <p:transition spd="med" p14:dur="700">
         <p:fade/>
       </p:transition>
     </mc:Choice>
-    <mc:Fallback>
+    <mc:Fallback xmlns="">
       <p:transition spd="med">
         <p:fade/>
       </p:transition>
@@ -33896,7 +33999,7 @@
 </p:sld>
 </file>
 
-<file path=ppt/slides/slide24.xml><?xml version="1.0" encoding="utf-8"?>
+<file path=ppt/slides/slide25.xml><?xml version="1.0" encoding="utf-8"?>
 <p:sld xmlns:a="http://schemas.openxmlformats.org/drawingml/2006/main" xmlns:r="http://schemas.openxmlformats.org/officeDocument/2006/relationships" xmlns:p="http://schemas.openxmlformats.org/presentationml/2006/main" show="0">
   <p:cSld>
     <p:spTree>
@@ -34058,13 +34161,13 @@
   <p:clrMapOvr>
     <a:masterClrMapping/>
   </p:clrMapOvr>
-  <mc:AlternateContent xmlns:mc="http://schemas.openxmlformats.org/markup-compatibility/2006">
-    <mc:Choice xmlns:p14="http://schemas.microsoft.com/office/powerpoint/2010/main" Requires="p14">
+  <mc:AlternateContent xmlns:mc="http://schemas.openxmlformats.org/markup-compatibility/2006" xmlns:p14="http://schemas.microsoft.com/office/powerpoint/2010/main">
+    <mc:Choice Requires="p14">
       <p:transition spd="med" p14:dur="700">
         <p:fade/>
       </p:transition>
     </mc:Choice>
-    <mc:Fallback>
+    <mc:Fallback xmlns="">
       <p:transition spd="med">
         <p:fade/>
       </p:transition>
@@ -34073,7 +34176,7 @@
 </p:sld>
 </file>
 
-<file path=ppt/slides/slide25.xml><?xml version="1.0" encoding="utf-8"?>
+<file path=ppt/slides/slide26.xml><?xml version="1.0" encoding="utf-8"?>
 <p:sld xmlns:a="http://schemas.openxmlformats.org/drawingml/2006/main" xmlns:r="http://schemas.openxmlformats.org/officeDocument/2006/relationships" xmlns:p="http://schemas.openxmlformats.org/presentationml/2006/main" show="0">
   <p:cSld>
     <p:spTree>
@@ -34149,13 +34252,13 @@
   <p:clrMapOvr>
     <a:masterClrMapping/>
   </p:clrMapOvr>
-  <mc:AlternateContent xmlns:mc="http://schemas.openxmlformats.org/markup-compatibility/2006">
-    <mc:Choice xmlns:p14="http://schemas.microsoft.com/office/powerpoint/2010/main" Requires="p14">
+  <mc:AlternateContent xmlns:mc="http://schemas.openxmlformats.org/markup-compatibility/2006" xmlns:p14="http://schemas.microsoft.com/office/powerpoint/2010/main">
+    <mc:Choice Requires="p14">
       <p:transition spd="med" p14:dur="700">
         <p:fade/>
       </p:transition>
     </mc:Choice>
-    <mc:Fallback>
+    <mc:Fallback xmlns="">
       <p:transition spd="med">
         <p:fade/>
       </p:transition>
@@ -34164,7 +34267,7 @@
 </p:sld>
 </file>
 
-<file path=ppt/slides/slide26.xml><?xml version="1.0" encoding="utf-8"?>
+<file path=ppt/slides/slide27.xml><?xml version="1.0" encoding="utf-8"?>
 <p:sld xmlns:a="http://schemas.openxmlformats.org/drawingml/2006/main" xmlns:r="http://schemas.openxmlformats.org/officeDocument/2006/relationships" xmlns:p="http://schemas.openxmlformats.org/presentationml/2006/main" show="0">
   <p:cSld>
     <p:spTree>
@@ -34217,13 +34320,13 @@
   <p:clrMapOvr>
     <a:masterClrMapping/>
   </p:clrMapOvr>
-  <mc:AlternateContent xmlns:mc="http://schemas.openxmlformats.org/markup-compatibility/2006">
-    <mc:Choice xmlns:p14="http://schemas.microsoft.com/office/powerpoint/2010/main" Requires="p14">
+  <mc:AlternateContent xmlns:mc="http://schemas.openxmlformats.org/markup-compatibility/2006" xmlns:p14="http://schemas.microsoft.com/office/powerpoint/2010/main">
+    <mc:Choice Requires="p14">
       <p:transition spd="med" p14:dur="700">
         <p:fade/>
       </p:transition>
     </mc:Choice>
-    <mc:Fallback>
+    <mc:Fallback xmlns="">
       <p:transition spd="med">
         <p:fade/>
       </p:transition>
@@ -34232,7 +34335,7 @@
 </p:sld>
 </file>
 
-<file path=ppt/slides/slide27.xml><?xml version="1.0" encoding="utf-8"?>
+<file path=ppt/slides/slide28.xml><?xml version="1.0" encoding="utf-8"?>
 <p:sld xmlns:a="http://schemas.openxmlformats.org/drawingml/2006/main" xmlns:r="http://schemas.openxmlformats.org/officeDocument/2006/relationships" xmlns:p="http://schemas.openxmlformats.org/presentationml/2006/main" show="0">
   <p:cSld>
     <p:spTree>
@@ -34281,13 +34384,13 @@
   <p:clrMapOvr>
     <a:masterClrMapping/>
   </p:clrMapOvr>
-  <mc:AlternateContent xmlns:mc="http://schemas.openxmlformats.org/markup-compatibility/2006">
-    <mc:Choice xmlns:p14="http://schemas.microsoft.com/office/powerpoint/2010/main" Requires="p14">
+  <mc:AlternateContent xmlns:mc="http://schemas.openxmlformats.org/markup-compatibility/2006" xmlns:p14="http://schemas.microsoft.com/office/powerpoint/2010/main">
+    <mc:Choice Requires="p14">
       <p:transition spd="med" p14:dur="700">
         <p:fade/>
       </p:transition>
     </mc:Choice>
-    <mc:Fallback>
+    <mc:Fallback xmlns="">
       <p:transition spd="med">
         <p:fade/>
       </p:transition>
@@ -34296,7 +34399,7 @@
 </p:sld>
 </file>
 
-<file path=ppt/slides/slide28.xml><?xml version="1.0" encoding="utf-8"?>
+<file path=ppt/slides/slide29.xml><?xml version="1.0" encoding="utf-8"?>
 <p:sld xmlns:a="http://schemas.openxmlformats.org/drawingml/2006/main" xmlns:r="http://schemas.openxmlformats.org/officeDocument/2006/relationships" xmlns:p="http://schemas.openxmlformats.org/presentationml/2006/main" show="0">
   <p:cSld>
     <p:spTree>
@@ -34349,99 +34452,13 @@
   <p:clrMapOvr>
     <a:masterClrMapping/>
   </p:clrMapOvr>
-  <mc:AlternateContent xmlns:mc="http://schemas.openxmlformats.org/markup-compatibility/2006">
-    <mc:Choice xmlns:p14="http://schemas.microsoft.com/office/powerpoint/2010/main" Requires="p14">
+  <mc:AlternateContent xmlns:mc="http://schemas.openxmlformats.org/markup-compatibility/2006" xmlns:p14="http://schemas.microsoft.com/office/powerpoint/2010/main">
+    <mc:Choice Requires="p14">
       <p:transition spd="med" p14:dur="700">
         <p:fade/>
       </p:transition>
     </mc:Choice>
-    <mc:Fallback>
-      <p:transition spd="med">
-        <p:fade/>
-      </p:transition>
-    </mc:Fallback>
-  </mc:AlternateContent>
-</p:sld>
-</file>
-
-<file path=ppt/slides/slide29.xml><?xml version="1.0" encoding="utf-8"?>
-<p:sld xmlns:a="http://schemas.openxmlformats.org/drawingml/2006/main" xmlns:r="http://schemas.openxmlformats.org/officeDocument/2006/relationships" xmlns:p="http://schemas.openxmlformats.org/presentationml/2006/main" show="0">
-  <p:cSld>
-    <p:spTree>
-      <p:nvGrpSpPr>
-        <p:cNvPr id="1" name=""/>
-        <p:cNvGrpSpPr/>
-        <p:nvPr/>
-      </p:nvGrpSpPr>
-      <p:grpSpPr>
-        <a:xfrm>
-          <a:off x="0" y="0"/>
-          <a:ext cx="0" cy="0"/>
-          <a:chOff x="0" y="0"/>
-          <a:chExt cx="0" cy="0"/>
-        </a:xfrm>
-      </p:grpSpPr>
-      <p:sp>
-        <p:nvSpPr>
-          <p:cNvPr id="4" name="Title 3"/>
-          <p:cNvSpPr>
-            <a:spLocks noGrp="1"/>
-          </p:cNvSpPr>
-          <p:nvPr>
-            <p:ph type="title"/>
-          </p:nvPr>
-        </p:nvSpPr>
-        <p:spPr/>
-        <p:txBody>
-          <a:bodyPr/>
-          <a:lstStyle/>
-          <a:p>
-            <a:r>
-              <a:rPr lang="en-US" dirty="0"/>
-              <a:t>Software code slide</a:t>
-            </a:r>
-          </a:p>
-        </p:txBody>
-      </p:sp>
-      <p:sp>
-        <p:nvSpPr>
-          <p:cNvPr id="5" name="Text Placeholder 4"/>
-          <p:cNvSpPr>
-            <a:spLocks noGrp="1"/>
-          </p:cNvSpPr>
-          <p:nvPr>
-            <p:ph type="body" sz="quarter" idx="10"/>
-          </p:nvPr>
-        </p:nvSpPr>
-        <p:spPr/>
-        <p:txBody>
-          <a:bodyPr/>
-          <a:lstStyle/>
-          <a:p>
-            <a:r>
-              <a:rPr lang="en-US" dirty="0"/>
-              <a:t>This slide layout uses Consolas, a monotype font which is ideal for showing software code. </a:t>
-            </a:r>
-          </a:p>
-        </p:txBody>
-      </p:sp>
-    </p:spTree>
-    <p:extLst>
-      <p:ext uri="{BB962C8B-B14F-4D97-AF65-F5344CB8AC3E}">
-        <p14:creationId xmlns:p14="http://schemas.microsoft.com/office/powerpoint/2010/main" val="4207219918"/>
-      </p:ext>
-    </p:extLst>
-  </p:cSld>
-  <p:clrMapOvr>
-    <a:masterClrMapping/>
-  </p:clrMapOvr>
-  <mc:AlternateContent xmlns:mc="http://schemas.openxmlformats.org/markup-compatibility/2006">
-    <mc:Choice xmlns:p14="http://schemas.microsoft.com/office/powerpoint/2010/main" Requires="p14">
-      <p:transition spd="med" p14:dur="700">
-        <p:fade/>
-      </p:transition>
-    </mc:Choice>
-    <mc:Fallback>
+    <mc:Fallback xmlns="">
       <p:transition spd="med">
         <p:fade/>
       </p:transition>
@@ -34696,6 +34713,92 @@
       </p:grpSpPr>
       <p:sp>
         <p:nvSpPr>
+          <p:cNvPr id="4" name="Title 3"/>
+          <p:cNvSpPr>
+            <a:spLocks noGrp="1"/>
+          </p:cNvSpPr>
+          <p:nvPr>
+            <p:ph type="title"/>
+          </p:nvPr>
+        </p:nvSpPr>
+        <p:spPr/>
+        <p:txBody>
+          <a:bodyPr/>
+          <a:lstStyle/>
+          <a:p>
+            <a:r>
+              <a:rPr lang="en-US" dirty="0"/>
+              <a:t>Software code slide</a:t>
+            </a:r>
+          </a:p>
+        </p:txBody>
+      </p:sp>
+      <p:sp>
+        <p:nvSpPr>
+          <p:cNvPr id="5" name="Text Placeholder 4"/>
+          <p:cNvSpPr>
+            <a:spLocks noGrp="1"/>
+          </p:cNvSpPr>
+          <p:nvPr>
+            <p:ph type="body" sz="quarter" idx="10"/>
+          </p:nvPr>
+        </p:nvSpPr>
+        <p:spPr/>
+        <p:txBody>
+          <a:bodyPr/>
+          <a:lstStyle/>
+          <a:p>
+            <a:r>
+              <a:rPr lang="en-US" dirty="0"/>
+              <a:t>This slide layout uses Consolas, a monotype font which is ideal for showing software code. </a:t>
+            </a:r>
+          </a:p>
+        </p:txBody>
+      </p:sp>
+    </p:spTree>
+    <p:extLst>
+      <p:ext uri="{BB962C8B-B14F-4D97-AF65-F5344CB8AC3E}">
+        <p14:creationId xmlns:p14="http://schemas.microsoft.com/office/powerpoint/2010/main" val="4207219918"/>
+      </p:ext>
+    </p:extLst>
+  </p:cSld>
+  <p:clrMapOvr>
+    <a:masterClrMapping/>
+  </p:clrMapOvr>
+  <mc:AlternateContent xmlns:mc="http://schemas.openxmlformats.org/markup-compatibility/2006" xmlns:p14="http://schemas.microsoft.com/office/powerpoint/2010/main">
+    <mc:Choice Requires="p14">
+      <p:transition spd="med" p14:dur="700">
+        <p:fade/>
+      </p:transition>
+    </mc:Choice>
+    <mc:Fallback xmlns="">
+      <p:transition spd="med">
+        <p:fade/>
+      </p:transition>
+    </mc:Fallback>
+  </mc:AlternateContent>
+</p:sld>
+</file>
+
+<file path=ppt/slides/slide31.xml><?xml version="1.0" encoding="utf-8"?>
+<p:sld xmlns:a="http://schemas.openxmlformats.org/drawingml/2006/main" xmlns:r="http://schemas.openxmlformats.org/officeDocument/2006/relationships" xmlns:p="http://schemas.openxmlformats.org/presentationml/2006/main" show="0">
+  <p:cSld>
+    <p:spTree>
+      <p:nvGrpSpPr>
+        <p:cNvPr id="1" name=""/>
+        <p:cNvGrpSpPr/>
+        <p:nvPr/>
+      </p:nvGrpSpPr>
+      <p:grpSpPr>
+        <a:xfrm>
+          <a:off x="0" y="0"/>
+          <a:ext cx="0" cy="0"/>
+          <a:chOff x="0" y="0"/>
+          <a:chExt cx="0" cy="0"/>
+        </a:xfrm>
+      </p:grpSpPr>
+      <p:sp>
+        <p:nvSpPr>
           <p:cNvPr id="6" name="Text Placeholder 5"/>
           <p:cNvSpPr>
             <a:spLocks noGrp="1"/>
@@ -34781,13 +34884,13 @@
   <p:clrMapOvr>
     <a:masterClrMapping/>
   </p:clrMapOvr>
-  <mc:AlternateContent xmlns:mc="http://schemas.openxmlformats.org/markup-compatibility/2006">
-    <mc:Choice xmlns:p14="http://schemas.microsoft.com/office/powerpoint/2010/main" Requires="p14">
+  <mc:AlternateContent xmlns:mc="http://schemas.openxmlformats.org/markup-compatibility/2006" xmlns:p14="http://schemas.microsoft.com/office/powerpoint/2010/main">
+    <mc:Choice Requires="p14">
       <p:transition spd="med" p14:dur="700">
         <p:fade/>
       </p:transition>
     </mc:Choice>
-    <mc:Fallback>
+    <mc:Fallback xmlns="">
       <p:transition spd="med">
         <p:fade/>
       </p:transition>
@@ -37029,15 +37132,6 @@
 </file>
 
 <file path=customXml/item2.xml><?xml version="1.0" encoding="utf-8"?>
-<?mso-contentType ?>
-<FormTemplates xmlns="http://schemas.microsoft.com/sharepoint/v3/contenttype/forms">
-  <Display>DocumentLibraryForm</Display>
-  <Edit>DocumentLibraryForm</Edit>
-  <New>DocumentLibraryForm</New>
-</FormTemplates>
-</file>
-
-<file path=customXml/item3.xml><?xml version="1.0" encoding="utf-8"?>
 <ct:contentTypeSchema xmlns:ct="http://schemas.microsoft.com/office/2006/metadata/contentType" xmlns:ma="http://schemas.microsoft.com/office/2006/metadata/properties/metaAttributes" ct:_="" ma:_="" ma:contentTypeName="Document" ma:contentTypeID="0x010100D15DFA3690A15B4081582BBCC6BEAC3E" ma:contentTypeVersion="9" ma:contentTypeDescription="Create a new document." ma:contentTypeScope="" ma:versionID="642da1784587cbe85a7fdbbe4dc36103">
   <xsd:schema xmlns:xsd="http://www.w3.org/2001/XMLSchema" xmlns:xs="http://www.w3.org/2001/XMLSchema" xmlns:p="http://schemas.microsoft.com/office/2006/metadata/properties" xmlns:ns1="http://schemas.microsoft.com/sharepoint/v3" xmlns:ns2="2023ac63-7b75-4916-a9ee-591457758eee" xmlns:ns3="d9c797ad-d7c3-4982-82b7-81352a75e4a5" targetNamespace="http://schemas.microsoft.com/office/2006/metadata/properties" ma:root="true" ma:fieldsID="91198b0246576053cc55dd2c67035a89" ns1:_="" ns2:_="" ns3:_="">
     <xsd:import namespace="http://schemas.microsoft.com/sharepoint/v3"/>
@@ -37239,6 +37333,15 @@
 </ct:contentTypeSchema>
 </file>
 
+<file path=customXml/item3.xml><?xml version="1.0" encoding="utf-8"?>
+<?mso-contentType ?>
+<FormTemplates xmlns="http://schemas.microsoft.com/sharepoint/v3/contenttype/forms">
+  <Display>DocumentLibraryForm</Display>
+  <Edit>DocumentLibraryForm</Edit>
+  <New>DocumentLibraryForm</New>
+</FormTemplates>
+</file>
+
 <file path=customXml/itemProps1.xml><?xml version="1.0" encoding="utf-8"?>
 <ds:datastoreItem xmlns:ds="http://schemas.openxmlformats.org/officeDocument/2006/customXml" ds:itemID="{BAF7D529-36AB-45DA-B239-2F912F2D1610}">
   <ds:schemaRefs>
@@ -37258,14 +37361,6 @@
 </file>
 
 <file path=customXml/itemProps2.xml><?xml version="1.0" encoding="utf-8"?>
-<ds:datastoreItem xmlns:ds="http://schemas.openxmlformats.org/officeDocument/2006/customXml" ds:itemID="{F18501AF-04CF-4482-BAE1-607B49DDC378}">
-  <ds:schemaRefs>
-    <ds:schemaRef ds:uri="http://schemas.microsoft.com/sharepoint/v3/contenttype/forms"/>
-  </ds:schemaRefs>
-</ds:datastoreItem>
-</file>
-
-<file path=customXml/itemProps3.xml><?xml version="1.0" encoding="utf-8"?>
 <ds:datastoreItem xmlns:ds="http://schemas.openxmlformats.org/officeDocument/2006/customXml" ds:itemID="{255F5BEB-6AD6-480A-8556-C80C5EBC10F2}">
   <ds:schemaRefs>
     <ds:schemaRef ds:uri="http://schemas.microsoft.com/office/2006/metadata/contentType"/>
@@ -37283,4 +37378,12 @@
     <ds:schemaRef ds:uri="http://schemas.microsoft.com/internal/obd"/>
   </ds:schemaRefs>
 </ds:datastoreItem>
+</file>
+
+<file path=customXml/itemProps3.xml><?xml version="1.0" encoding="utf-8"?>
+<ds:datastoreItem xmlns:ds="http://schemas.openxmlformats.org/officeDocument/2006/customXml" ds:itemID="{F18501AF-04CF-4482-BAE1-607B49DDC378}">
+  <ds:schemaRefs>
+    <ds:schemaRef ds:uri="http://schemas.microsoft.com/sharepoint/v3/contenttype/forms"/>
+  </ds:schemaRefs>
+</ds:datastoreItem>
 </file>